--- a/2019/1학기/인터넷윤리와 보안개론/N반/5조.pptx
+++ b/2019/1학기/인터넷윤리와 보안개론/N반/5조.pptx
@@ -220,7 +220,7 @@
           <a:p>
             <a:fld id="{CEAC90EE-F834-4762-930D-A101154C907A}" type="datetimeFigureOut">
               <a:rPr lang="ko-KR" altLang="en-US" smtClean="0"/>
-              <a:t>2019-05-20</a:t>
+              <a:t>2019-05-27</a:t>
             </a:fld>
             <a:endParaRPr lang="ko-KR" altLang="en-US"/>
           </a:p>
@@ -284,37 +284,38 @@
           <a:p>
             <a:pPr lvl="0"/>
             <a:r>
-              <a:rPr lang="ko-KR" altLang="en-US"/>
+              <a:rPr lang="ko-KR" altLang="en-US" smtClean="0"/>
               <a:t>마스터 텍스트 스타일 편집</a:t>
             </a:r>
           </a:p>
           <a:p>
             <a:pPr lvl="1"/>
             <a:r>
-              <a:rPr lang="ko-KR" altLang="en-US"/>
+              <a:rPr lang="ko-KR" altLang="en-US" smtClean="0"/>
               <a:t>둘째 수준</a:t>
             </a:r>
           </a:p>
           <a:p>
             <a:pPr lvl="2"/>
             <a:r>
-              <a:rPr lang="ko-KR" altLang="en-US"/>
+              <a:rPr lang="ko-KR" altLang="en-US" smtClean="0"/>
               <a:t>셋째 수준</a:t>
             </a:r>
           </a:p>
           <a:p>
             <a:pPr lvl="3"/>
             <a:r>
-              <a:rPr lang="ko-KR" altLang="en-US"/>
+              <a:rPr lang="ko-KR" altLang="en-US" smtClean="0"/>
               <a:t>넷째 수준</a:t>
             </a:r>
           </a:p>
           <a:p>
             <a:pPr lvl="4"/>
             <a:r>
-              <a:rPr lang="ko-KR" altLang="en-US"/>
+              <a:rPr lang="ko-KR" altLang="en-US" smtClean="0"/>
               <a:t>다섯째 수준</a:t>
             </a:r>
+            <a:endParaRPr lang="ko-KR" altLang="en-US"/>
           </a:p>
         </p:txBody>
       </p:sp>
@@ -616,7 +617,7 @@
           <a:p>
             <a:fld id="{C4A30519-15E9-4726-9954-06DC8ACC9ACE}" type="datetimeFigureOut">
               <a:rPr lang="ko-KR" altLang="en-US" smtClean="0"/>
-              <a:t>2019-05-20</a:t>
+              <a:t>2019-05-27</a:t>
             </a:fld>
             <a:endParaRPr lang="ko-KR" altLang="en-US"/>
           </a:p>
@@ -784,7 +785,7 @@
           <a:p>
             <a:fld id="{C4A30519-15E9-4726-9954-06DC8ACC9ACE}" type="datetimeFigureOut">
               <a:rPr lang="ko-KR" altLang="en-US" smtClean="0"/>
-              <a:t>2019-05-20</a:t>
+              <a:t>2019-05-27</a:t>
             </a:fld>
             <a:endParaRPr lang="ko-KR" altLang="en-US"/>
           </a:p>
@@ -962,7 +963,7 @@
           <a:p>
             <a:fld id="{C4A30519-15E9-4726-9954-06DC8ACC9ACE}" type="datetimeFigureOut">
               <a:rPr lang="ko-KR" altLang="en-US" smtClean="0"/>
-              <a:t>2019-05-20</a:t>
+              <a:t>2019-05-27</a:t>
             </a:fld>
             <a:endParaRPr lang="ko-KR" altLang="en-US"/>
           </a:p>
@@ -1130,7 +1131,7 @@
           <a:p>
             <a:fld id="{C4A30519-15E9-4726-9954-06DC8ACC9ACE}" type="datetimeFigureOut">
               <a:rPr lang="ko-KR" altLang="en-US" smtClean="0"/>
-              <a:t>2019-05-20</a:t>
+              <a:t>2019-05-27</a:t>
             </a:fld>
             <a:endParaRPr lang="ko-KR" altLang="en-US"/>
           </a:p>
@@ -1375,7 +1376,7 @@
           <a:p>
             <a:fld id="{C4A30519-15E9-4726-9954-06DC8ACC9ACE}" type="datetimeFigureOut">
               <a:rPr lang="ko-KR" altLang="en-US" smtClean="0"/>
-              <a:t>2019-05-20</a:t>
+              <a:t>2019-05-27</a:t>
             </a:fld>
             <a:endParaRPr lang="ko-KR" altLang="en-US"/>
           </a:p>
@@ -1604,7 +1605,7 @@
           <a:p>
             <a:fld id="{C4A30519-15E9-4726-9954-06DC8ACC9ACE}" type="datetimeFigureOut">
               <a:rPr lang="ko-KR" altLang="en-US" smtClean="0"/>
-              <a:t>2019-05-20</a:t>
+              <a:t>2019-05-27</a:t>
             </a:fld>
             <a:endParaRPr lang="ko-KR" altLang="en-US"/>
           </a:p>
@@ -1968,7 +1969,7 @@
           <a:p>
             <a:fld id="{C4A30519-15E9-4726-9954-06DC8ACC9ACE}" type="datetimeFigureOut">
               <a:rPr lang="ko-KR" altLang="en-US" smtClean="0"/>
-              <a:t>2019-05-20</a:t>
+              <a:t>2019-05-27</a:t>
             </a:fld>
             <a:endParaRPr lang="ko-KR" altLang="en-US"/>
           </a:p>
@@ -2085,7 +2086,7 @@
           <a:p>
             <a:fld id="{C4A30519-15E9-4726-9954-06DC8ACC9ACE}" type="datetimeFigureOut">
               <a:rPr lang="ko-KR" altLang="en-US" smtClean="0"/>
-              <a:t>2019-05-20</a:t>
+              <a:t>2019-05-27</a:t>
             </a:fld>
             <a:endParaRPr lang="ko-KR" altLang="en-US"/>
           </a:p>
@@ -2180,7 +2181,7 @@
           <a:p>
             <a:fld id="{C4A30519-15E9-4726-9954-06DC8ACC9ACE}" type="datetimeFigureOut">
               <a:rPr lang="ko-KR" altLang="en-US" smtClean="0"/>
-              <a:t>2019-05-20</a:t>
+              <a:t>2019-05-27</a:t>
             </a:fld>
             <a:endParaRPr lang="ko-KR" altLang="en-US"/>
           </a:p>
@@ -2455,7 +2456,7 @@
           <a:p>
             <a:fld id="{C4A30519-15E9-4726-9954-06DC8ACC9ACE}" type="datetimeFigureOut">
               <a:rPr lang="ko-KR" altLang="en-US" smtClean="0"/>
-              <a:t>2019-05-20</a:t>
+              <a:t>2019-05-27</a:t>
             </a:fld>
             <a:endParaRPr lang="ko-KR" altLang="en-US"/>
           </a:p>
@@ -2707,7 +2708,7 @@
           <a:p>
             <a:fld id="{C4A30519-15E9-4726-9954-06DC8ACC9ACE}" type="datetimeFigureOut">
               <a:rPr lang="ko-KR" altLang="en-US" smtClean="0"/>
-              <a:t>2019-05-20</a:t>
+              <a:t>2019-05-27</a:t>
             </a:fld>
             <a:endParaRPr lang="ko-KR" altLang="en-US"/>
           </a:p>
@@ -2930,7 +2931,7 @@
           <a:p>
             <a:fld id="{C4A30519-15E9-4726-9954-06DC8ACC9ACE}" type="datetimeFigureOut">
               <a:rPr lang="ko-KR" altLang="en-US" smtClean="0"/>
-              <a:t>2019-05-20</a:t>
+              <a:t>2019-05-27</a:t>
             </a:fld>
             <a:endParaRPr lang="ko-KR" altLang="en-US"/>
           </a:p>
@@ -3457,7 +3458,7 @@
           <a:lstStyle/>
           <a:p>
             <a:r>
-              <a:rPr lang="en-US" altLang="ko-KR" sz="2400" dirty="0">
+              <a:rPr lang="en-US" altLang="ko-KR" sz="2400" dirty="0" smtClean="0">
                 <a:ln>
                   <a:solidFill>
                     <a:schemeClr val="bg1">
@@ -3474,7 +3475,7 @@
               <a:t>1871271 </a:t>
             </a:r>
             <a:r>
-              <a:rPr lang="ko-KR" altLang="en-US" sz="2400" dirty="0" err="1">
+              <a:rPr lang="ko-KR" altLang="en-US" sz="2400" dirty="0" err="1" smtClean="0">
                 <a:ln>
                   <a:solidFill>
                     <a:schemeClr val="bg1">
@@ -3669,6 +3670,13 @@
   <p:clrMapOvr>
     <a:masterClrMapping/>
   </p:clrMapOvr>
+  <p:timing>
+    <p:tnLst>
+      <p:par>
+        <p:cTn id="1" dur="indefinite" restart="never" nodeType="tmRoot"/>
+      </p:par>
+    </p:tnLst>
+  </p:timing>
 </p:sld>
 </file>
 
@@ -3935,8 +3943,8 @@
         </p:nvSpPr>
         <p:spPr>
           <a:xfrm>
-            <a:off x="921920" y="1986914"/>
-            <a:ext cx="9593680" cy="3368679"/>
+            <a:off x="921920" y="1744660"/>
+            <a:ext cx="9593680" cy="3790910"/>
           </a:xfrm>
           <a:prstGeom prst="rect">
             <a:avLst/>
@@ -3954,7 +3962,7 @@
               </a:lnSpc>
             </a:pPr>
             <a:r>
-              <a:rPr lang="ko-KR" altLang="en-US" sz="1600" dirty="0">
+              <a:rPr lang="ko-KR" altLang="en-US" dirty="0">
                 <a:ln>
                   <a:solidFill>
                     <a:schemeClr val="bg1">
@@ -3979,7 +3987,7 @@
               <a:t>개인</a:t>
             </a:r>
             <a:r>
-              <a:rPr lang="en-US" altLang="ko-KR" sz="1600" dirty="0">
+              <a:rPr lang="en-US" altLang="ko-KR" dirty="0">
                 <a:ln>
                   <a:solidFill>
                     <a:schemeClr val="bg1">
@@ -4004,7 +4012,7 @@
               <a:t>-</a:t>
             </a:r>
             <a:r>
-              <a:rPr lang="ko-KR" altLang="en-US" sz="1600" dirty="0">
+              <a:rPr lang="ko-KR" altLang="en-US" dirty="0">
                 <a:ln>
                   <a:solidFill>
                     <a:schemeClr val="bg1">
@@ -4029,7 +4037,7 @@
               <a:t>광고주 모두의 불만사항을 </a:t>
             </a:r>
             <a:r>
-              <a:rPr lang="ko-KR" altLang="en-US" sz="1600" dirty="0" err="1">
+              <a:rPr lang="ko-KR" altLang="en-US" dirty="0" err="1">
                 <a:ln>
                   <a:solidFill>
                     <a:schemeClr val="bg1">
@@ -4054,7 +4062,7 @@
               <a:t>블록체인을</a:t>
             </a:r>
             <a:r>
-              <a:rPr lang="ko-KR" altLang="en-US" sz="1600" dirty="0">
+              <a:rPr lang="ko-KR" altLang="en-US" dirty="0">
                 <a:ln>
                   <a:solidFill>
                     <a:schemeClr val="bg1">
@@ -4079,7 +4087,7 @@
               <a:t> 활용해 줄일 수 있음</a:t>
             </a:r>
             <a:r>
-              <a:rPr lang="en-US" altLang="ko-KR" sz="1600" dirty="0">
+              <a:rPr lang="en-US" altLang="ko-KR" dirty="0">
                 <a:ln>
                   <a:solidFill>
                     <a:schemeClr val="bg1">
@@ -4111,7 +4119,7 @@
               </a:lnSpc>
             </a:pPr>
             <a:r>
-              <a:rPr lang="ko-KR" altLang="en-US" sz="1600" dirty="0" err="1">
+              <a:rPr lang="ko-KR" altLang="en-US" dirty="0" err="1">
                 <a:ln>
                   <a:solidFill>
                     <a:schemeClr val="bg1">
@@ -4136,7 +4144,7 @@
               <a:t>브레이브</a:t>
             </a:r>
             <a:r>
-              <a:rPr lang="en-US" altLang="ko-KR" sz="1600" dirty="0">
+              <a:rPr lang="en-US" altLang="ko-KR" dirty="0">
                 <a:ln>
                   <a:solidFill>
                     <a:schemeClr val="bg1">
@@ -4161,7 +4169,7 @@
               <a:t>(Brave)</a:t>
             </a:r>
             <a:r>
-              <a:rPr lang="ko-KR" altLang="en-US" sz="1600" dirty="0">
+              <a:rPr lang="ko-KR" altLang="en-US" dirty="0">
                 <a:ln>
                   <a:solidFill>
                     <a:schemeClr val="bg1">
@@ -4193,7 +4201,7 @@
               </a:lnSpc>
             </a:pPr>
             <a:r>
-              <a:rPr lang="ko-KR" altLang="en-US" sz="1600" dirty="0">
+              <a:rPr lang="ko-KR" altLang="en-US" dirty="0">
                 <a:ln>
                   <a:solidFill>
                     <a:schemeClr val="bg1">
@@ -4218,7 +4226,7 @@
               <a:t>광고주와 사용자들에게 보상할 수 있는 </a:t>
             </a:r>
             <a:r>
-              <a:rPr lang="en-US" altLang="ko-KR" sz="1600" dirty="0">
+              <a:rPr lang="en-US" altLang="ko-KR" dirty="0">
                 <a:ln>
                   <a:solidFill>
                     <a:schemeClr val="bg1">
@@ -4243,7 +4251,7 @@
               <a:t>BAT(Basic Attention Token)</a:t>
             </a:r>
             <a:r>
-              <a:rPr lang="ko-KR" altLang="en-US" sz="1600" dirty="0">
+              <a:rPr lang="ko-KR" altLang="en-US" dirty="0">
                 <a:ln>
                   <a:solidFill>
                     <a:schemeClr val="bg1">
@@ -4267,7 +4275,7 @@
               </a:rPr>
               <a:t>를 </a:t>
             </a:r>
-            <a:endParaRPr lang="en-US" altLang="ko-KR" sz="1600" dirty="0">
+            <a:endParaRPr lang="en-US" altLang="ko-KR" dirty="0">
               <a:ln>
                 <a:solidFill>
                   <a:schemeClr val="bg1">
@@ -4297,7 +4305,7 @@
               </a:lnSpc>
             </a:pPr>
             <a:r>
-              <a:rPr lang="ko-KR" altLang="en-US" sz="1600" dirty="0">
+              <a:rPr lang="ko-KR" altLang="en-US" dirty="0">
                 <a:ln>
                   <a:solidFill>
                     <a:schemeClr val="bg1">
@@ -4322,7 +4330,7 @@
               <a:t>발행하는 </a:t>
             </a:r>
             <a:r>
-              <a:rPr lang="en-US" altLang="ko-KR" sz="1600" dirty="0">
+              <a:rPr lang="en-US" altLang="ko-KR" dirty="0">
                 <a:ln>
                   <a:solidFill>
                     <a:schemeClr val="bg1">
@@ -4347,7 +4355,7 @@
               <a:t>ICO(</a:t>
             </a:r>
             <a:r>
-              <a:rPr lang="ko-KR" altLang="en-US" sz="1600" dirty="0">
+              <a:rPr lang="ko-KR" altLang="en-US" dirty="0">
                 <a:ln>
                   <a:solidFill>
                     <a:schemeClr val="bg1">
@@ -4372,7 +4380,7 @@
               <a:t>가상화폐공개</a:t>
             </a:r>
             <a:r>
-              <a:rPr lang="en-US" altLang="ko-KR" sz="1600" dirty="0">
+              <a:rPr lang="en-US" altLang="ko-KR" dirty="0">
                 <a:ln>
                   <a:solidFill>
                     <a:schemeClr val="bg1">
@@ -4397,7 +4405,7 @@
               <a:t>)</a:t>
             </a:r>
             <a:r>
-              <a:rPr lang="ko-KR" altLang="en-US" sz="1600" dirty="0">
+              <a:rPr lang="ko-KR" altLang="en-US" dirty="0">
                 <a:ln>
                   <a:solidFill>
                     <a:schemeClr val="bg1">
@@ -4422,7 +4430,7 @@
               <a:t>를 진행함</a:t>
             </a:r>
             <a:r>
-              <a:rPr lang="en-US" altLang="ko-KR" sz="1600" dirty="0">
+              <a:rPr lang="en-US" altLang="ko-KR" dirty="0">
                 <a:ln>
                   <a:solidFill>
                     <a:schemeClr val="bg1">
@@ -4454,7 +4462,7 @@
               </a:lnSpc>
             </a:pPr>
             <a:r>
-              <a:rPr lang="ko-KR" altLang="en-US" sz="1600" dirty="0">
+              <a:rPr lang="ko-KR" altLang="en-US" dirty="0">
                 <a:ln>
                   <a:solidFill>
                     <a:schemeClr val="bg1">
@@ -4479,7 +4487,7 @@
               <a:t>광고주들은 중개업자 대신에 </a:t>
             </a:r>
             <a:r>
-              <a:rPr lang="ko-KR" altLang="en-US" sz="1600" dirty="0" err="1">
+              <a:rPr lang="ko-KR" altLang="en-US" dirty="0" err="1">
                 <a:ln>
                   <a:solidFill>
                     <a:schemeClr val="bg1">
@@ -4504,7 +4512,7 @@
               <a:t>브레이브의</a:t>
             </a:r>
             <a:r>
-              <a:rPr lang="ko-KR" altLang="en-US" sz="1600" dirty="0">
+              <a:rPr lang="ko-KR" altLang="en-US" dirty="0">
                 <a:ln>
                   <a:solidFill>
                     <a:schemeClr val="bg1">
@@ -4529,7 +4537,7 @@
               <a:t> </a:t>
             </a:r>
             <a:r>
-              <a:rPr lang="ko-KR" altLang="en-US" sz="1600" dirty="0" err="1">
+              <a:rPr lang="ko-KR" altLang="en-US" dirty="0" err="1">
                 <a:ln>
                   <a:solidFill>
                     <a:schemeClr val="bg1">
@@ -4554,7 +4562,7 @@
               <a:t>블록체인</a:t>
             </a:r>
             <a:r>
-              <a:rPr lang="ko-KR" altLang="en-US" sz="1600" dirty="0">
+              <a:rPr lang="ko-KR" altLang="en-US" dirty="0">
                 <a:ln>
                   <a:solidFill>
                     <a:schemeClr val="bg1">
@@ -4579,7 +4587,7 @@
               <a:t> 브라우저에 직접 자신의 기업을 등록</a:t>
             </a:r>
             <a:r>
-              <a:rPr lang="en-US" altLang="ko-KR" sz="1600" dirty="0">
+              <a:rPr lang="en-US" altLang="ko-KR" dirty="0">
                 <a:ln>
                   <a:solidFill>
                     <a:schemeClr val="bg1">
@@ -4611,7 +4619,7 @@
               </a:lnSpc>
             </a:pPr>
             <a:r>
-              <a:rPr lang="ko-KR" altLang="en-US" sz="1600" dirty="0" err="1">
+              <a:rPr lang="ko-KR" altLang="en-US" dirty="0" err="1">
                 <a:ln>
                   <a:solidFill>
                     <a:schemeClr val="bg1">
@@ -4636,7 +4644,7 @@
               <a:t>옵트인</a:t>
             </a:r>
             <a:r>
-              <a:rPr lang="en-US" altLang="ko-KR" sz="1600" dirty="0">
+              <a:rPr lang="en-US" altLang="ko-KR" dirty="0">
                 <a:ln>
                   <a:solidFill>
                     <a:schemeClr val="bg1">
@@ -4661,7 +4669,7 @@
               <a:t>(</a:t>
             </a:r>
             <a:r>
-              <a:rPr lang="ko-KR" altLang="en-US" sz="1600" dirty="0">
+              <a:rPr lang="ko-KR" altLang="en-US" dirty="0">
                 <a:ln>
                   <a:solidFill>
                     <a:schemeClr val="bg1">
@@ -4686,7 +4694,7 @@
               <a:t>당사자가 개인 데이터 수집 허용에 동의하는 절차</a:t>
             </a:r>
             <a:r>
-              <a:rPr lang="en-US" altLang="ko-KR" sz="1600" dirty="0">
+              <a:rPr lang="en-US" altLang="ko-KR" dirty="0">
                 <a:ln>
                   <a:solidFill>
                     <a:schemeClr val="bg1">
@@ -4711,7 +4719,7 @@
               <a:t>)</a:t>
             </a:r>
             <a:r>
-              <a:rPr lang="ko-KR" altLang="en-US" sz="1600" dirty="0">
+              <a:rPr lang="ko-KR" altLang="en-US" dirty="0">
                 <a:ln>
                   <a:solidFill>
                     <a:schemeClr val="bg1">
@@ -4735,7 +4743,7 @@
               </a:rPr>
               <a:t>을 선택한 사용자들은</a:t>
             </a:r>
-            <a:endParaRPr lang="en-US" altLang="ko-KR" sz="1600" dirty="0">
+            <a:endParaRPr lang="en-US" altLang="ko-KR" dirty="0">
               <a:ln>
                 <a:solidFill>
                   <a:schemeClr val="bg1">
@@ -4765,7 +4773,7 @@
               </a:lnSpc>
             </a:pPr>
             <a:r>
-              <a:rPr lang="ko-KR" altLang="en-US" sz="1600" dirty="0">
+              <a:rPr lang="ko-KR" altLang="en-US" dirty="0">
                 <a:ln>
                   <a:solidFill>
                     <a:schemeClr val="bg1">
@@ -4790,7 +4798,7 @@
               <a:t>불필요한 악성소프트웨어가 없는 보다 자신에게 맞는 타겟 광고를 받음</a:t>
             </a:r>
             <a:r>
-              <a:rPr lang="en-US" altLang="ko-KR" sz="1600" dirty="0">
+              <a:rPr lang="en-US" altLang="ko-KR" dirty="0">
                 <a:ln>
                   <a:solidFill>
                     <a:schemeClr val="bg1">
@@ -4822,7 +4830,7 @@
               </a:lnSpc>
             </a:pPr>
             <a:r>
-              <a:rPr lang="ko-KR" altLang="en-US" sz="1600" dirty="0">
+              <a:rPr lang="ko-KR" altLang="en-US" dirty="0">
                 <a:ln>
                   <a:solidFill>
                     <a:schemeClr val="bg1">
@@ -4847,7 +4855,7 @@
               <a:t>이를 통해 광고주들은 지출하는 광고 비용에 대해 더 나은 데이터를 얻을 수 있음</a:t>
             </a:r>
             <a:r>
-              <a:rPr lang="en-US" altLang="ko-KR" sz="1600" dirty="0">
+              <a:rPr lang="en-US" altLang="ko-KR" dirty="0">
                 <a:ln>
                   <a:solidFill>
                     <a:schemeClr val="bg1">
@@ -4878,7 +4886,7 @@
                 <a:spcPct val="150000"/>
               </a:lnSpc>
             </a:pPr>
-            <a:endParaRPr lang="en-US" altLang="ko-KR" sz="1600" dirty="0">
+            <a:endParaRPr lang="en-US" altLang="ko-KR" dirty="0">
               <a:ln>
                 <a:solidFill>
                   <a:schemeClr val="bg1">
@@ -5460,7 +5468,7 @@
           <a:lstStyle/>
           <a:p>
             <a:r>
-              <a:rPr lang="ko-KR" altLang="en-US" sz="2000" b="1" dirty="0">
+              <a:rPr lang="ko-KR" altLang="en-US" sz="2000" b="1" dirty="0" smtClean="0">
                 <a:ln>
                   <a:solidFill>
                     <a:schemeClr val="bg1">
@@ -5485,7 +5493,7 @@
               <a:t>중개업자</a:t>
             </a:r>
             <a:r>
-              <a:rPr lang="en-US" altLang="ko-KR" sz="2000" b="1" dirty="0">
+              <a:rPr lang="en-US" altLang="ko-KR" sz="2000" b="1" dirty="0" smtClean="0">
                 <a:ln>
                   <a:solidFill>
                     <a:schemeClr val="bg1">
@@ -6469,6 +6477,13 @@
       </p:transition>
     </mc:Fallback>
   </mc:AlternateContent>
+  <p:timing>
+    <p:tnLst>
+      <p:par>
+        <p:cTn id="1" dur="indefinite" restart="never" nodeType="tmRoot"/>
+      </p:par>
+    </p:tnLst>
+  </p:timing>
 </p:sld>
 </file>
 
@@ -6771,7 +6786,7 @@
               <a:hlinkClick r:id="rId2">
                 <a:extLst>
                   <a:ext uri="{A12FA001-AC4F-418D-AE19-62706E023703}">
-                    <ahyp:hlinkClr xmlns:ahyp="http://schemas.microsoft.com/office/drawing/2018/hyperlinkcolor" val="tx"/>
+                    <ahyp:hlinkClr xmlns:ahyp="http://schemas.microsoft.com/office/drawing/2018/hyperlinkcolor" xmlns="" val="tx"/>
                   </a:ext>
                 </a:extLst>
               </a:hlinkClick>
@@ -6783,7 +6798,7 @@
                 <a:hlinkClick r:id="rId2">
                   <a:extLst>
                     <a:ext uri="{A12FA001-AC4F-418D-AE19-62706E023703}">
-                      <ahyp:hlinkClr xmlns:ahyp="http://schemas.microsoft.com/office/drawing/2018/hyperlinkcolor" val="tx"/>
+                      <ahyp:hlinkClr xmlns:ahyp="http://schemas.microsoft.com/office/drawing/2018/hyperlinkcolor" xmlns="" val="tx"/>
                     </a:ext>
                   </a:extLst>
                 </a:hlinkClick>
@@ -6797,7 +6812,7 @@
               <a:hlinkClick r:id="rId3">
                 <a:extLst>
                   <a:ext uri="{A12FA001-AC4F-418D-AE19-62706E023703}">
-                    <ahyp:hlinkClr xmlns:ahyp="http://schemas.microsoft.com/office/drawing/2018/hyperlinkcolor" val="tx"/>
+                    <ahyp:hlinkClr xmlns:ahyp="http://schemas.microsoft.com/office/drawing/2018/hyperlinkcolor" xmlns="" val="tx"/>
                   </a:ext>
                 </a:extLst>
               </a:hlinkClick>
@@ -6809,7 +6824,7 @@
                 <a:hlinkClick r:id="rId3">
                   <a:extLst>
                     <a:ext uri="{A12FA001-AC4F-418D-AE19-62706E023703}">
-                      <ahyp:hlinkClr xmlns:ahyp="http://schemas.microsoft.com/office/drawing/2018/hyperlinkcolor" val="tx"/>
+                      <ahyp:hlinkClr xmlns:ahyp="http://schemas.microsoft.com/office/drawing/2018/hyperlinkcolor" xmlns="" val="tx"/>
                     </a:ext>
                   </a:extLst>
                 </a:hlinkClick>
@@ -6833,6 +6848,13 @@
   <p:clrMapOvr>
     <a:masterClrMapping/>
   </p:clrMapOvr>
+  <p:timing>
+    <p:tnLst>
+      <p:par>
+        <p:cTn id="1" dur="indefinite" restart="never" nodeType="tmRoot"/>
+      </p:par>
+    </p:tnLst>
+  </p:timing>
 </p:sld>
 </file>
 
@@ -7472,6 +7494,13 @@
       </p:transition>
     </mc:Fallback>
   </mc:AlternateContent>
+  <p:timing>
+    <p:tnLst>
+      <p:par>
+        <p:cTn id="1" dur="indefinite" restart="never" nodeType="tmRoot"/>
+      </p:par>
+    </p:tnLst>
+  </p:timing>
 </p:sld>
 </file>
 
@@ -7890,6 +7919,13 @@
       </p:transition>
     </mc:Fallback>
   </mc:AlternateContent>
+  <p:timing>
+    <p:tnLst>
+      <p:par>
+        <p:cTn id="1" dur="indefinite" restart="never" nodeType="tmRoot"/>
+      </p:par>
+    </p:tnLst>
+  </p:timing>
 </p:sld>
 </file>
 
@@ -8240,11 +8276,11 @@
           </a:bodyPr>
           <a:lstStyle/>
           <a:p>
-            <a:endParaRPr lang="en-US" altLang="ko-KR" sz="4000" dirty="0"/>
-          </a:p>
-          <a:p>
-            <a:r>
-              <a:rPr lang="en-US" altLang="ko-KR" sz="4000" dirty="0"/>
+            <a:endParaRPr lang="en-US" altLang="ko-KR" sz="4000" dirty="0" smtClean="0"/>
+          </a:p>
+          <a:p>
+            <a:r>
+              <a:rPr lang="en-US" altLang="ko-KR" sz="4000" dirty="0" smtClean="0"/>
               <a:t>A</a:t>
             </a:r>
             <a:endParaRPr lang="ko-KR" altLang="en-US" sz="4000" dirty="0"/>
@@ -8274,7 +8310,7 @@
           <a:lstStyle/>
           <a:p>
             <a:r>
-              <a:rPr lang="en-US" altLang="ko-KR" sz="4000" dirty="0"/>
+              <a:rPr lang="en-US" altLang="ko-KR" sz="4000" dirty="0" smtClean="0"/>
               <a:t>B</a:t>
             </a:r>
             <a:endParaRPr lang="ko-KR" altLang="en-US" sz="4000" dirty="0"/>
@@ -8327,7 +8363,7 @@
           <a:p>
             <a:pPr algn="ctr"/>
             <a:r>
-              <a:rPr lang="en-US" altLang="ko-KR" sz="2500" dirty="0">
+              <a:rPr lang="en-US" altLang="ko-KR" sz="2500" dirty="0" smtClean="0">
                 <a:solidFill>
                   <a:schemeClr val="tx1"/>
                 </a:solidFill>
@@ -8335,7 +8371,7 @@
               <a:t>B</a:t>
             </a:r>
             <a:r>
-              <a:rPr lang="ko-KR" altLang="en-US" sz="2500" dirty="0">
+              <a:rPr lang="ko-KR" altLang="en-US" sz="2500" dirty="0" smtClean="0">
                 <a:solidFill>
                   <a:schemeClr val="tx1"/>
                 </a:solidFill>
@@ -8343,7 +8379,7 @@
               <a:t>에게 </a:t>
             </a:r>
             <a:r>
-              <a:rPr lang="en-US" altLang="ko-KR" sz="2500" dirty="0">
+              <a:rPr lang="en-US" altLang="ko-KR" sz="2500" dirty="0" smtClean="0">
                 <a:solidFill>
                   <a:schemeClr val="tx1"/>
                 </a:solidFill>
@@ -8351,7 +8387,7 @@
               <a:t>10</a:t>
             </a:r>
             <a:r>
-              <a:rPr lang="ko-KR" altLang="en-US" sz="2500" dirty="0">
+              <a:rPr lang="ko-KR" altLang="en-US" sz="2500" dirty="0" smtClean="0">
                 <a:solidFill>
                   <a:schemeClr val="tx1"/>
                 </a:solidFill>
@@ -8359,7 +8395,7 @@
               <a:t>만원 송금</a:t>
             </a:r>
             <a:r>
-              <a:rPr lang="en-US" altLang="ko-KR" sz="2500" dirty="0">
+              <a:rPr lang="en-US" altLang="ko-KR" sz="2500" dirty="0" smtClean="0">
                 <a:solidFill>
                   <a:schemeClr val="tx1"/>
                 </a:solidFill>
@@ -8436,7 +8472,7 @@
         </p:nvSpPr>
         <p:spPr>
           <a:xfrm>
-            <a:off x="1426584" y="5433919"/>
+            <a:off x="1435803" y="5509740"/>
             <a:ext cx="881149" cy="831273"/>
           </a:xfrm>
           <a:prstGeom prst="rect">
@@ -8760,7 +8796,7 @@
         </p:nvSpPr>
         <p:spPr>
           <a:xfrm>
-            <a:off x="2733114" y="5380147"/>
+            <a:off x="2742254" y="5436739"/>
             <a:ext cx="881149" cy="831273"/>
           </a:xfrm>
           <a:prstGeom prst="rect">
@@ -8806,6 +8842,494 @@
           </a:p>
         </p:txBody>
       </p:sp>
+      <p:sp>
+        <p:nvSpPr>
+          <p:cNvPr id="26" name="직사각형 25"/>
+          <p:cNvSpPr/>
+          <p:nvPr/>
+        </p:nvSpPr>
+        <p:spPr>
+          <a:xfrm>
+            <a:off x="230248" y="4980921"/>
+            <a:ext cx="881149" cy="831273"/>
+          </a:xfrm>
+          <a:prstGeom prst="rect">
+            <a:avLst/>
+          </a:prstGeom>
+          <a:solidFill>
+            <a:schemeClr val="accent1">
+              <a:lumMod val="75000"/>
+            </a:schemeClr>
+          </a:solidFill>
+          <a:ln>
+            <a:solidFill>
+              <a:schemeClr val="accent1">
+                <a:lumMod val="40000"/>
+                <a:lumOff val="60000"/>
+              </a:schemeClr>
+            </a:solidFill>
+          </a:ln>
+        </p:spPr>
+        <p:style>
+          <a:lnRef idx="2">
+            <a:schemeClr val="accent1">
+              <a:shade val="50000"/>
+            </a:schemeClr>
+          </a:lnRef>
+          <a:fillRef idx="1">
+            <a:schemeClr val="accent1"/>
+          </a:fillRef>
+          <a:effectRef idx="0">
+            <a:schemeClr val="accent1"/>
+          </a:effectRef>
+          <a:fontRef idx="minor">
+            <a:schemeClr val="lt1"/>
+          </a:fontRef>
+        </p:style>
+        <p:txBody>
+          <a:bodyPr rtlCol="0" anchor="ctr"/>
+          <a:lstStyle/>
+          <a:p>
+            <a:pPr algn="ctr"/>
+            <a:endParaRPr lang="ko-KR" altLang="en-US"/>
+          </a:p>
+        </p:txBody>
+      </p:sp>
+      <p:sp>
+        <p:nvSpPr>
+          <p:cNvPr id="27" name="직사각형 26"/>
+          <p:cNvSpPr/>
+          <p:nvPr/>
+        </p:nvSpPr>
+        <p:spPr>
+          <a:xfrm>
+            <a:off x="1433295" y="5037512"/>
+            <a:ext cx="881149" cy="831273"/>
+          </a:xfrm>
+          <a:prstGeom prst="rect">
+            <a:avLst/>
+          </a:prstGeom>
+          <a:solidFill>
+            <a:schemeClr val="accent1">
+              <a:lumMod val="75000"/>
+            </a:schemeClr>
+          </a:solidFill>
+          <a:ln>
+            <a:solidFill>
+              <a:schemeClr val="accent1">
+                <a:lumMod val="40000"/>
+                <a:lumOff val="60000"/>
+              </a:schemeClr>
+            </a:solidFill>
+          </a:ln>
+        </p:spPr>
+        <p:style>
+          <a:lnRef idx="2">
+            <a:schemeClr val="accent1">
+              <a:shade val="50000"/>
+            </a:schemeClr>
+          </a:lnRef>
+          <a:fillRef idx="1">
+            <a:schemeClr val="accent1"/>
+          </a:fillRef>
+          <a:effectRef idx="0">
+            <a:schemeClr val="accent1"/>
+          </a:effectRef>
+          <a:fontRef idx="minor">
+            <a:schemeClr val="lt1"/>
+          </a:fontRef>
+        </p:style>
+        <p:txBody>
+          <a:bodyPr rtlCol="0" anchor="ctr"/>
+          <a:lstStyle/>
+          <a:p>
+            <a:pPr algn="ctr"/>
+            <a:endParaRPr lang="ko-KR" altLang="en-US"/>
+          </a:p>
+        </p:txBody>
+      </p:sp>
+      <p:sp>
+        <p:nvSpPr>
+          <p:cNvPr id="28" name="직사각형 27"/>
+          <p:cNvSpPr/>
+          <p:nvPr/>
+        </p:nvSpPr>
+        <p:spPr>
+          <a:xfrm>
+            <a:off x="2739746" y="4964511"/>
+            <a:ext cx="881149" cy="831273"/>
+          </a:xfrm>
+          <a:prstGeom prst="rect">
+            <a:avLst/>
+          </a:prstGeom>
+          <a:solidFill>
+            <a:schemeClr val="accent1">
+              <a:lumMod val="75000"/>
+            </a:schemeClr>
+          </a:solidFill>
+          <a:ln>
+            <a:solidFill>
+              <a:schemeClr val="accent1">
+                <a:lumMod val="40000"/>
+                <a:lumOff val="60000"/>
+              </a:schemeClr>
+            </a:solidFill>
+          </a:ln>
+        </p:spPr>
+        <p:style>
+          <a:lnRef idx="2">
+            <a:schemeClr val="accent1">
+              <a:shade val="50000"/>
+            </a:schemeClr>
+          </a:lnRef>
+          <a:fillRef idx="1">
+            <a:schemeClr val="accent1"/>
+          </a:fillRef>
+          <a:effectRef idx="0">
+            <a:schemeClr val="accent1"/>
+          </a:effectRef>
+          <a:fontRef idx="minor">
+            <a:schemeClr val="lt1"/>
+          </a:fontRef>
+        </p:style>
+        <p:txBody>
+          <a:bodyPr rtlCol="0" anchor="ctr"/>
+          <a:lstStyle/>
+          <a:p>
+            <a:pPr algn="ctr"/>
+            <a:endParaRPr lang="ko-KR" altLang="en-US"/>
+          </a:p>
+        </p:txBody>
+      </p:sp>
+      <p:sp>
+        <p:nvSpPr>
+          <p:cNvPr id="2" name="설명선 1 1"/>
+          <p:cNvSpPr/>
+          <p:nvPr/>
+        </p:nvSpPr>
+        <p:spPr>
+          <a:xfrm>
+            <a:off x="3982703" y="5737280"/>
+            <a:ext cx="879231" cy="666137"/>
+          </a:xfrm>
+          <a:prstGeom prst="borderCallout1">
+            <a:avLst>
+              <a:gd name="adj1" fmla="val 271"/>
+              <a:gd name="adj2" fmla="val -333"/>
+              <a:gd name="adj3" fmla="val -74925"/>
+              <a:gd name="adj4" fmla="val -39333"/>
+            </a:avLst>
+          </a:prstGeom>
+          <a:solidFill>
+            <a:schemeClr val="bg1"/>
+          </a:solidFill>
+          <a:ln>
+            <a:solidFill>
+              <a:schemeClr val="tx1"/>
+            </a:solidFill>
+          </a:ln>
+        </p:spPr>
+        <p:style>
+          <a:lnRef idx="2">
+            <a:schemeClr val="accent1">
+              <a:shade val="50000"/>
+            </a:schemeClr>
+          </a:lnRef>
+          <a:fillRef idx="1">
+            <a:schemeClr val="accent1"/>
+          </a:fillRef>
+          <a:effectRef idx="0">
+            <a:schemeClr val="accent1"/>
+          </a:effectRef>
+          <a:fontRef idx="minor">
+            <a:schemeClr val="lt1"/>
+          </a:fontRef>
+        </p:style>
+        <p:txBody>
+          <a:bodyPr rtlCol="0" anchor="ctr"/>
+          <a:lstStyle/>
+          <a:p>
+            <a:pPr algn="ctr"/>
+            <a:r>
+              <a:rPr lang="ko-KR" altLang="en-US" b="1" dirty="0" smtClean="0">
+                <a:solidFill>
+                  <a:schemeClr val="tx1"/>
+                </a:solidFill>
+              </a:rPr>
+              <a:t>블록</a:t>
+            </a:r>
+            <a:endParaRPr lang="ko-KR" altLang="en-US" b="1" dirty="0">
+              <a:solidFill>
+                <a:schemeClr val="tx1"/>
+              </a:solidFill>
+            </a:endParaRPr>
+          </a:p>
+        </p:txBody>
+      </p:sp>
+      <p:cxnSp>
+        <p:nvCxnSpPr>
+          <p:cNvPr id="15" name="꺾인 연결선 14"/>
+          <p:cNvCxnSpPr/>
+          <p:nvPr/>
+        </p:nvCxnSpPr>
+        <p:spPr>
+          <a:xfrm rot="10800000" flipH="1" flipV="1">
+            <a:off x="332293" y="5501166"/>
+            <a:ext cx="2508" cy="472228"/>
+          </a:xfrm>
+          <a:prstGeom prst="bentConnector3">
+            <a:avLst>
+              <a:gd name="adj1" fmla="val -11919378"/>
+            </a:avLst>
+          </a:prstGeom>
+          <a:ln>
+            <a:headEnd type="triangle"/>
+            <a:tailEnd type="triangle"/>
+          </a:ln>
+        </p:spPr>
+        <p:style>
+          <a:lnRef idx="1">
+            <a:schemeClr val="dk1"/>
+          </a:lnRef>
+          <a:fillRef idx="0">
+            <a:schemeClr val="dk1"/>
+          </a:fillRef>
+          <a:effectRef idx="0">
+            <a:schemeClr val="dk1"/>
+          </a:effectRef>
+          <a:fontRef idx="minor">
+            <a:schemeClr val="tx1"/>
+          </a:fontRef>
+        </p:style>
+      </p:cxnSp>
+      <p:sp>
+        <p:nvSpPr>
+          <p:cNvPr id="29" name="직사각형 28"/>
+          <p:cNvSpPr/>
+          <p:nvPr/>
+        </p:nvSpPr>
+        <p:spPr>
+          <a:xfrm>
+            <a:off x="4947539" y="1723292"/>
+            <a:ext cx="1317621" cy="780698"/>
+          </a:xfrm>
+          <a:prstGeom prst="rect">
+            <a:avLst/>
+          </a:prstGeom>
+          <a:solidFill>
+            <a:schemeClr val="bg1"/>
+          </a:solidFill>
+          <a:ln>
+            <a:solidFill>
+              <a:schemeClr val="tx1"/>
+            </a:solidFill>
+          </a:ln>
+        </p:spPr>
+        <p:style>
+          <a:lnRef idx="2">
+            <a:schemeClr val="accent1">
+              <a:shade val="50000"/>
+            </a:schemeClr>
+          </a:lnRef>
+          <a:fillRef idx="1">
+            <a:schemeClr val="accent1"/>
+          </a:fillRef>
+          <a:effectRef idx="0">
+            <a:schemeClr val="accent1"/>
+          </a:effectRef>
+          <a:fontRef idx="minor">
+            <a:schemeClr val="lt1"/>
+          </a:fontRef>
+        </p:style>
+        <p:txBody>
+          <a:bodyPr rtlCol="0" anchor="ctr"/>
+          <a:lstStyle/>
+          <a:p>
+            <a:pPr algn="ctr"/>
+            <a:r>
+              <a:rPr lang="ko-KR" altLang="en-US" b="1" dirty="0" smtClean="0">
+                <a:solidFill>
+                  <a:schemeClr val="tx1"/>
+                </a:solidFill>
+              </a:rPr>
+              <a:t>체인</a:t>
+            </a:r>
+            <a:endParaRPr lang="ko-KR" altLang="en-US" b="1" dirty="0">
+              <a:solidFill>
+                <a:schemeClr val="tx1"/>
+              </a:solidFill>
+            </a:endParaRPr>
+          </a:p>
+        </p:txBody>
+      </p:sp>
+      <p:cxnSp>
+        <p:nvCxnSpPr>
+          <p:cNvPr id="31" name="꺾인 연결선 30"/>
+          <p:cNvCxnSpPr/>
+          <p:nvPr/>
+        </p:nvCxnSpPr>
+        <p:spPr>
+          <a:xfrm rot="10800000" flipH="1" flipV="1">
+            <a:off x="1448310" y="5490510"/>
+            <a:ext cx="2508" cy="472228"/>
+          </a:xfrm>
+          <a:prstGeom prst="bentConnector3">
+            <a:avLst>
+              <a:gd name="adj1" fmla="val -11919378"/>
+            </a:avLst>
+          </a:prstGeom>
+          <a:ln>
+            <a:headEnd type="triangle"/>
+            <a:tailEnd type="triangle"/>
+          </a:ln>
+        </p:spPr>
+        <p:style>
+          <a:lnRef idx="1">
+            <a:schemeClr val="dk1"/>
+          </a:lnRef>
+          <a:fillRef idx="0">
+            <a:schemeClr val="dk1"/>
+          </a:fillRef>
+          <a:effectRef idx="0">
+            <a:schemeClr val="dk1"/>
+          </a:effectRef>
+          <a:fontRef idx="minor">
+            <a:schemeClr val="tx1"/>
+          </a:fontRef>
+        </p:style>
+      </p:cxnSp>
+      <p:cxnSp>
+        <p:nvCxnSpPr>
+          <p:cNvPr id="33" name="꺾인 연결선 32"/>
+          <p:cNvCxnSpPr/>
+          <p:nvPr/>
+        </p:nvCxnSpPr>
+        <p:spPr>
+          <a:xfrm rot="10800000" flipH="1" flipV="1">
+            <a:off x="2731174" y="5449052"/>
+            <a:ext cx="2508" cy="472228"/>
+          </a:xfrm>
+          <a:prstGeom prst="bentConnector3">
+            <a:avLst>
+              <a:gd name="adj1" fmla="val -11919378"/>
+            </a:avLst>
+          </a:prstGeom>
+          <a:ln>
+            <a:headEnd type="triangle"/>
+            <a:tailEnd type="triangle"/>
+          </a:ln>
+        </p:spPr>
+        <p:style>
+          <a:lnRef idx="1">
+            <a:schemeClr val="dk1"/>
+          </a:lnRef>
+          <a:fillRef idx="0">
+            <a:schemeClr val="dk1"/>
+          </a:fillRef>
+          <a:effectRef idx="0">
+            <a:schemeClr val="dk1"/>
+          </a:effectRef>
+          <a:fontRef idx="minor">
+            <a:schemeClr val="tx1"/>
+          </a:fontRef>
+        </p:style>
+      </p:cxnSp>
+      <p:cxnSp>
+        <p:nvCxnSpPr>
+          <p:cNvPr id="35" name="직선 연결선 34"/>
+          <p:cNvCxnSpPr>
+            <a:endCxn id="29" idx="2"/>
+          </p:cNvCxnSpPr>
+          <p:nvPr/>
+        </p:nvCxnSpPr>
+        <p:spPr>
+          <a:xfrm flipV="1">
+            <a:off x="2417885" y="2503990"/>
+            <a:ext cx="3188465" cy="3181176"/>
+          </a:xfrm>
+          <a:prstGeom prst="line">
+            <a:avLst/>
+          </a:prstGeom>
+        </p:spPr>
+        <p:style>
+          <a:lnRef idx="1">
+            <a:schemeClr val="dk1"/>
+          </a:lnRef>
+          <a:fillRef idx="0">
+            <a:schemeClr val="dk1"/>
+          </a:fillRef>
+          <a:effectRef idx="0">
+            <a:schemeClr val="dk1"/>
+          </a:effectRef>
+          <a:fontRef idx="minor">
+            <a:schemeClr val="tx1"/>
+          </a:fontRef>
+        </p:style>
+      </p:cxnSp>
+      <p:cxnSp>
+        <p:nvCxnSpPr>
+          <p:cNvPr id="36" name="직선 연결선 35"/>
+          <p:cNvCxnSpPr>
+            <a:endCxn id="29" idx="2"/>
+          </p:cNvCxnSpPr>
+          <p:nvPr/>
+        </p:nvCxnSpPr>
+        <p:spPr>
+          <a:xfrm flipV="1">
+            <a:off x="64795" y="2503990"/>
+            <a:ext cx="5541555" cy="3308204"/>
+          </a:xfrm>
+          <a:prstGeom prst="line">
+            <a:avLst/>
+          </a:prstGeom>
+        </p:spPr>
+        <p:style>
+          <a:lnRef idx="1">
+            <a:schemeClr val="dk1"/>
+          </a:lnRef>
+          <a:fillRef idx="0">
+            <a:schemeClr val="dk1"/>
+          </a:fillRef>
+          <a:effectRef idx="0">
+            <a:schemeClr val="dk1"/>
+          </a:effectRef>
+          <a:fontRef idx="minor">
+            <a:schemeClr val="tx1"/>
+          </a:fontRef>
+        </p:style>
+      </p:cxnSp>
+      <p:cxnSp>
+        <p:nvCxnSpPr>
+          <p:cNvPr id="37" name="직선 연결선 36"/>
+          <p:cNvCxnSpPr>
+            <a:endCxn id="29" idx="2"/>
+          </p:cNvCxnSpPr>
+          <p:nvPr/>
+        </p:nvCxnSpPr>
+        <p:spPr>
+          <a:xfrm flipV="1">
+            <a:off x="1165805" y="2503990"/>
+            <a:ext cx="4440545" cy="3181176"/>
+          </a:xfrm>
+          <a:prstGeom prst="line">
+            <a:avLst/>
+          </a:prstGeom>
+        </p:spPr>
+        <p:style>
+          <a:lnRef idx="1">
+            <a:schemeClr val="dk1"/>
+          </a:lnRef>
+          <a:fillRef idx="0">
+            <a:schemeClr val="dk1"/>
+          </a:fillRef>
+          <a:effectRef idx="0">
+            <a:schemeClr val="dk1"/>
+          </a:effectRef>
+          <a:fontRef idx="minor">
+            <a:schemeClr val="tx1"/>
+          </a:fontRef>
+        </p:style>
+      </p:cxnSp>
     </p:spTree>
     <p:extLst>
       <p:ext uri="{BB962C8B-B14F-4D97-AF65-F5344CB8AC3E}">
@@ -9277,6 +9801,481 @@
                       </p:childTnLst>
                     </p:cTn>
                   </p:par>
+                  <p:par>
+                    <p:cTn id="41" fill="hold">
+                      <p:stCondLst>
+                        <p:cond delay="indefinite"/>
+                      </p:stCondLst>
+                      <p:childTnLst>
+                        <p:par>
+                          <p:cTn id="42" fill="hold">
+                            <p:stCondLst>
+                              <p:cond delay="0"/>
+                            </p:stCondLst>
+                            <p:childTnLst>
+                              <p:par>
+                                <p:cTn id="43" presetID="10" presetClass="entr" presetSubtype="0" fill="hold" grpId="0" nodeType="clickEffect">
+                                  <p:stCondLst>
+                                    <p:cond delay="0"/>
+                                  </p:stCondLst>
+                                  <p:childTnLst>
+                                    <p:set>
+                                      <p:cBhvr>
+                                        <p:cTn id="44" dur="1" fill="hold">
+                                          <p:stCondLst>
+                                            <p:cond delay="0"/>
+                                          </p:stCondLst>
+                                        </p:cTn>
+                                        <p:tgtEl>
+                                          <p:spTgt spid="26"/>
+                                        </p:tgtEl>
+                                        <p:attrNameLst>
+                                          <p:attrName>style.visibility</p:attrName>
+                                        </p:attrNameLst>
+                                      </p:cBhvr>
+                                      <p:to>
+                                        <p:strVal val="visible"/>
+                                      </p:to>
+                                    </p:set>
+                                    <p:animEffect transition="in" filter="fade">
+                                      <p:cBhvr>
+                                        <p:cTn id="45" dur="500"/>
+                                        <p:tgtEl>
+                                          <p:spTgt spid="26"/>
+                                        </p:tgtEl>
+                                      </p:cBhvr>
+                                    </p:animEffect>
+                                  </p:childTnLst>
+                                </p:cTn>
+                              </p:par>
+                              <p:par>
+                                <p:cTn id="46" presetID="10" presetClass="entr" presetSubtype="0" fill="hold" grpId="0" nodeType="withEffect">
+                                  <p:stCondLst>
+                                    <p:cond delay="0"/>
+                                  </p:stCondLst>
+                                  <p:childTnLst>
+                                    <p:set>
+                                      <p:cBhvr>
+                                        <p:cTn id="47" dur="1" fill="hold">
+                                          <p:stCondLst>
+                                            <p:cond delay="0"/>
+                                          </p:stCondLst>
+                                        </p:cTn>
+                                        <p:tgtEl>
+                                          <p:spTgt spid="27"/>
+                                        </p:tgtEl>
+                                        <p:attrNameLst>
+                                          <p:attrName>style.visibility</p:attrName>
+                                        </p:attrNameLst>
+                                      </p:cBhvr>
+                                      <p:to>
+                                        <p:strVal val="visible"/>
+                                      </p:to>
+                                    </p:set>
+                                    <p:animEffect transition="in" filter="fade">
+                                      <p:cBhvr>
+                                        <p:cTn id="48" dur="500"/>
+                                        <p:tgtEl>
+                                          <p:spTgt spid="27"/>
+                                        </p:tgtEl>
+                                      </p:cBhvr>
+                                    </p:animEffect>
+                                  </p:childTnLst>
+                                </p:cTn>
+                              </p:par>
+                              <p:par>
+                                <p:cTn id="49" presetID="10" presetClass="entr" presetSubtype="0" fill="hold" grpId="0" nodeType="withEffect">
+                                  <p:stCondLst>
+                                    <p:cond delay="0"/>
+                                  </p:stCondLst>
+                                  <p:childTnLst>
+                                    <p:set>
+                                      <p:cBhvr>
+                                        <p:cTn id="50" dur="1" fill="hold">
+                                          <p:stCondLst>
+                                            <p:cond delay="0"/>
+                                          </p:stCondLst>
+                                        </p:cTn>
+                                        <p:tgtEl>
+                                          <p:spTgt spid="28"/>
+                                        </p:tgtEl>
+                                        <p:attrNameLst>
+                                          <p:attrName>style.visibility</p:attrName>
+                                        </p:attrNameLst>
+                                      </p:cBhvr>
+                                      <p:to>
+                                        <p:strVal val="visible"/>
+                                      </p:to>
+                                    </p:set>
+                                    <p:animEffect transition="in" filter="fade">
+                                      <p:cBhvr>
+                                        <p:cTn id="51" dur="500"/>
+                                        <p:tgtEl>
+                                          <p:spTgt spid="28"/>
+                                        </p:tgtEl>
+                                      </p:cBhvr>
+                                    </p:animEffect>
+                                  </p:childTnLst>
+                                </p:cTn>
+                              </p:par>
+                            </p:childTnLst>
+                          </p:cTn>
+                        </p:par>
+                      </p:childTnLst>
+                    </p:cTn>
+                  </p:par>
+                  <p:par>
+                    <p:cTn id="52" fill="hold">
+                      <p:stCondLst>
+                        <p:cond delay="indefinite"/>
+                      </p:stCondLst>
+                      <p:childTnLst>
+                        <p:par>
+                          <p:cTn id="53" fill="hold">
+                            <p:stCondLst>
+                              <p:cond delay="0"/>
+                            </p:stCondLst>
+                            <p:childTnLst>
+                              <p:par>
+                                <p:cTn id="54" presetID="10" presetClass="entr" presetSubtype="0" fill="hold" grpId="0" nodeType="clickEffect">
+                                  <p:stCondLst>
+                                    <p:cond delay="0"/>
+                                  </p:stCondLst>
+                                  <p:childTnLst>
+                                    <p:set>
+                                      <p:cBhvr>
+                                        <p:cTn id="55" dur="1" fill="hold">
+                                          <p:stCondLst>
+                                            <p:cond delay="0"/>
+                                          </p:stCondLst>
+                                        </p:cTn>
+                                        <p:tgtEl>
+                                          <p:spTgt spid="2"/>
+                                        </p:tgtEl>
+                                        <p:attrNameLst>
+                                          <p:attrName>style.visibility</p:attrName>
+                                        </p:attrNameLst>
+                                      </p:cBhvr>
+                                      <p:to>
+                                        <p:strVal val="visible"/>
+                                      </p:to>
+                                    </p:set>
+                                    <p:animEffect transition="in" filter="fade">
+                                      <p:cBhvr>
+                                        <p:cTn id="56" dur="500"/>
+                                        <p:tgtEl>
+                                          <p:spTgt spid="2"/>
+                                        </p:tgtEl>
+                                      </p:cBhvr>
+                                    </p:animEffect>
+                                  </p:childTnLst>
+                                </p:cTn>
+                              </p:par>
+                            </p:childTnLst>
+                          </p:cTn>
+                        </p:par>
+                      </p:childTnLst>
+                    </p:cTn>
+                  </p:par>
+                  <p:par>
+                    <p:cTn id="57" fill="hold">
+                      <p:stCondLst>
+                        <p:cond delay="indefinite"/>
+                      </p:stCondLst>
+                      <p:childTnLst>
+                        <p:par>
+                          <p:cTn id="58" fill="hold">
+                            <p:stCondLst>
+                              <p:cond delay="0"/>
+                            </p:stCondLst>
+                            <p:childTnLst>
+                              <p:par>
+                                <p:cTn id="59" presetID="10" presetClass="entr" presetSubtype="0" fill="hold" grpId="0" nodeType="clickEffect">
+                                  <p:stCondLst>
+                                    <p:cond delay="0"/>
+                                  </p:stCondLst>
+                                  <p:childTnLst>
+                                    <p:set>
+                                      <p:cBhvr>
+                                        <p:cTn id="60" dur="1" fill="hold">
+                                          <p:stCondLst>
+                                            <p:cond delay="0"/>
+                                          </p:stCondLst>
+                                        </p:cTn>
+                                        <p:tgtEl>
+                                          <p:spTgt spid="29"/>
+                                        </p:tgtEl>
+                                        <p:attrNameLst>
+                                          <p:attrName>style.visibility</p:attrName>
+                                        </p:attrNameLst>
+                                      </p:cBhvr>
+                                      <p:to>
+                                        <p:strVal val="visible"/>
+                                      </p:to>
+                                    </p:set>
+                                    <p:animEffect transition="in" filter="fade">
+                                      <p:cBhvr>
+                                        <p:cTn id="61" dur="500"/>
+                                        <p:tgtEl>
+                                          <p:spTgt spid="29"/>
+                                        </p:tgtEl>
+                                      </p:cBhvr>
+                                    </p:animEffect>
+                                  </p:childTnLst>
+                                </p:cTn>
+                              </p:par>
+                            </p:childTnLst>
+                          </p:cTn>
+                        </p:par>
+                      </p:childTnLst>
+                    </p:cTn>
+                  </p:par>
+                  <p:par>
+                    <p:cTn id="62" fill="hold">
+                      <p:stCondLst>
+                        <p:cond delay="indefinite"/>
+                      </p:stCondLst>
+                      <p:childTnLst>
+                        <p:par>
+                          <p:cTn id="63" fill="hold">
+                            <p:stCondLst>
+                              <p:cond delay="0"/>
+                            </p:stCondLst>
+                            <p:childTnLst>
+                              <p:par>
+                                <p:cTn id="64" presetID="10" presetClass="entr" presetSubtype="0" fill="hold" nodeType="clickEffect">
+                                  <p:stCondLst>
+                                    <p:cond delay="0"/>
+                                  </p:stCondLst>
+                                  <p:childTnLst>
+                                    <p:set>
+                                      <p:cBhvr>
+                                        <p:cTn id="65" dur="1" fill="hold">
+                                          <p:stCondLst>
+                                            <p:cond delay="0"/>
+                                          </p:stCondLst>
+                                        </p:cTn>
+                                        <p:tgtEl>
+                                          <p:spTgt spid="15"/>
+                                        </p:tgtEl>
+                                        <p:attrNameLst>
+                                          <p:attrName>style.visibility</p:attrName>
+                                        </p:attrNameLst>
+                                      </p:cBhvr>
+                                      <p:to>
+                                        <p:strVal val="visible"/>
+                                      </p:to>
+                                    </p:set>
+                                    <p:animEffect transition="in" filter="fade">
+                                      <p:cBhvr>
+                                        <p:cTn id="66" dur="500"/>
+                                        <p:tgtEl>
+                                          <p:spTgt spid="15"/>
+                                        </p:tgtEl>
+                                      </p:cBhvr>
+                                    </p:animEffect>
+                                  </p:childTnLst>
+                                </p:cTn>
+                              </p:par>
+                              <p:par>
+                                <p:cTn id="67" presetID="10" presetClass="entr" presetSubtype="0" fill="hold" nodeType="withEffect">
+                                  <p:stCondLst>
+                                    <p:cond delay="0"/>
+                                  </p:stCondLst>
+                                  <p:childTnLst>
+                                    <p:set>
+                                      <p:cBhvr>
+                                        <p:cTn id="68" dur="1" fill="hold">
+                                          <p:stCondLst>
+                                            <p:cond delay="0"/>
+                                          </p:stCondLst>
+                                        </p:cTn>
+                                        <p:tgtEl>
+                                          <p:spTgt spid="31"/>
+                                        </p:tgtEl>
+                                        <p:attrNameLst>
+                                          <p:attrName>style.visibility</p:attrName>
+                                        </p:attrNameLst>
+                                      </p:cBhvr>
+                                      <p:to>
+                                        <p:strVal val="visible"/>
+                                      </p:to>
+                                    </p:set>
+                                    <p:animEffect transition="in" filter="fade">
+                                      <p:cBhvr>
+                                        <p:cTn id="69" dur="500"/>
+                                        <p:tgtEl>
+                                          <p:spTgt spid="31"/>
+                                        </p:tgtEl>
+                                      </p:cBhvr>
+                                    </p:animEffect>
+                                  </p:childTnLst>
+                                </p:cTn>
+                              </p:par>
+                              <p:par>
+                                <p:cTn id="70" presetID="10" presetClass="entr" presetSubtype="0" fill="hold" nodeType="withEffect">
+                                  <p:stCondLst>
+                                    <p:cond delay="0"/>
+                                  </p:stCondLst>
+                                  <p:childTnLst>
+                                    <p:set>
+                                      <p:cBhvr>
+                                        <p:cTn id="71" dur="1" fill="hold">
+                                          <p:stCondLst>
+                                            <p:cond delay="0"/>
+                                          </p:stCondLst>
+                                        </p:cTn>
+                                        <p:tgtEl>
+                                          <p:spTgt spid="33"/>
+                                        </p:tgtEl>
+                                        <p:attrNameLst>
+                                          <p:attrName>style.visibility</p:attrName>
+                                        </p:attrNameLst>
+                                      </p:cBhvr>
+                                      <p:to>
+                                        <p:strVal val="visible"/>
+                                      </p:to>
+                                    </p:set>
+                                    <p:animEffect transition="in" filter="fade">
+                                      <p:cBhvr>
+                                        <p:cTn id="72" dur="500"/>
+                                        <p:tgtEl>
+                                          <p:spTgt spid="33"/>
+                                        </p:tgtEl>
+                                      </p:cBhvr>
+                                    </p:animEffect>
+                                  </p:childTnLst>
+                                </p:cTn>
+                              </p:par>
+                            </p:childTnLst>
+                          </p:cTn>
+                        </p:par>
+                      </p:childTnLst>
+                    </p:cTn>
+                  </p:par>
+                  <p:par>
+                    <p:cTn id="73" fill="hold">
+                      <p:stCondLst>
+                        <p:cond delay="indefinite"/>
+                      </p:stCondLst>
+                      <p:childTnLst>
+                        <p:par>
+                          <p:cTn id="74" fill="hold">
+                            <p:stCondLst>
+                              <p:cond delay="0"/>
+                            </p:stCondLst>
+                            <p:childTnLst>
+                              <p:par>
+                                <p:cTn id="75" presetID="10" presetClass="entr" presetSubtype="0" fill="hold" nodeType="clickEffect">
+                                  <p:stCondLst>
+                                    <p:cond delay="0"/>
+                                  </p:stCondLst>
+                                  <p:childTnLst>
+                                    <p:set>
+                                      <p:cBhvr>
+                                        <p:cTn id="76" dur="1" fill="hold">
+                                          <p:stCondLst>
+                                            <p:cond delay="0"/>
+                                          </p:stCondLst>
+                                        </p:cTn>
+                                        <p:tgtEl>
+                                          <p:spTgt spid="35"/>
+                                        </p:tgtEl>
+                                        <p:attrNameLst>
+                                          <p:attrName>style.visibility</p:attrName>
+                                        </p:attrNameLst>
+                                      </p:cBhvr>
+                                      <p:to>
+                                        <p:strVal val="visible"/>
+                                      </p:to>
+                                    </p:set>
+                                    <p:animEffect transition="in" filter="fade">
+                                      <p:cBhvr>
+                                        <p:cTn id="77" dur="500"/>
+                                        <p:tgtEl>
+                                          <p:spTgt spid="35"/>
+                                        </p:tgtEl>
+                                      </p:cBhvr>
+                                    </p:animEffect>
+                                  </p:childTnLst>
+                                </p:cTn>
+                              </p:par>
+                              <p:par>
+                                <p:cTn id="78" presetID="10" presetClass="entr" presetSubtype="0" fill="hold" nodeType="withEffect">
+                                  <p:stCondLst>
+                                    <p:cond delay="0"/>
+                                  </p:stCondLst>
+                                  <p:childTnLst>
+                                    <p:set>
+                                      <p:cBhvr>
+                                        <p:cTn id="79" dur="1" fill="hold">
+                                          <p:stCondLst>
+                                            <p:cond delay="0"/>
+                                          </p:stCondLst>
+                                        </p:cTn>
+                                        <p:tgtEl>
+                                          <p:spTgt spid="36"/>
+                                        </p:tgtEl>
+                                        <p:attrNameLst>
+                                          <p:attrName>style.visibility</p:attrName>
+                                        </p:attrNameLst>
+                                      </p:cBhvr>
+                                      <p:to>
+                                        <p:strVal val="visible"/>
+                                      </p:to>
+                                    </p:set>
+                                    <p:animEffect transition="in" filter="fade">
+                                      <p:cBhvr>
+                                        <p:cTn id="80" dur="500"/>
+                                        <p:tgtEl>
+                                          <p:spTgt spid="36"/>
+                                        </p:tgtEl>
+                                      </p:cBhvr>
+                                    </p:animEffect>
+                                  </p:childTnLst>
+                                </p:cTn>
+                              </p:par>
+                              <p:par>
+                                <p:cTn id="81" presetID="10" presetClass="entr" presetSubtype="0" fill="hold" nodeType="withEffect">
+                                  <p:stCondLst>
+                                    <p:cond delay="0"/>
+                                  </p:stCondLst>
+                                  <p:childTnLst>
+                                    <p:set>
+                                      <p:cBhvr>
+                                        <p:cTn id="82" dur="1" fill="hold">
+                                          <p:stCondLst>
+                                            <p:cond delay="0"/>
+                                          </p:stCondLst>
+                                        </p:cTn>
+                                        <p:tgtEl>
+                                          <p:spTgt spid="37"/>
+                                        </p:tgtEl>
+                                        <p:attrNameLst>
+                                          <p:attrName>style.visibility</p:attrName>
+                                        </p:attrNameLst>
+                                      </p:cBhvr>
+                                      <p:to>
+                                        <p:strVal val="visible"/>
+                                      </p:to>
+                                    </p:set>
+                                    <p:animEffect transition="in" filter="fade">
+                                      <p:cBhvr>
+                                        <p:cTn id="83" dur="500"/>
+                                        <p:tgtEl>
+                                          <p:spTgt spid="37"/>
+                                        </p:tgtEl>
+                                      </p:cBhvr>
+                                    </p:animEffect>
+                                  </p:childTnLst>
+                                </p:cTn>
+                              </p:par>
+                            </p:childTnLst>
+                          </p:cTn>
+                        </p:par>
+                      </p:childTnLst>
+                    </p:cTn>
+                  </p:par>
                 </p:childTnLst>
               </p:cTn>
               <p:prevCondLst>
@@ -9308,6 +10307,11 @@
       <p:bldP spid="23" grpId="0" animBg="1"/>
       <p:bldP spid="24" grpId="0" animBg="1"/>
       <p:bldP spid="25" grpId="0" animBg="1"/>
+      <p:bldP spid="26" grpId="0" animBg="1"/>
+      <p:bldP spid="27" grpId="0" animBg="1"/>
+      <p:bldP spid="28" grpId="0" animBg="1"/>
+      <p:bldP spid="2" grpId="0" animBg="1"/>
+      <p:bldP spid="29" grpId="0" animBg="1"/>
     </p:bldLst>
   </p:timing>
 </p:sld>
@@ -9591,7 +10595,7 @@
         <p:spPr>
           <a:xfrm>
             <a:off x="921920" y="1929326"/>
-            <a:ext cx="6050380" cy="2999347"/>
+            <a:ext cx="5425615" cy="3375411"/>
           </a:xfrm>
           <a:prstGeom prst="rect">
             <a:avLst/>
@@ -9609,7 +10613,7 @@
               </a:lnSpc>
             </a:pPr>
             <a:r>
-              <a:rPr lang="ko-KR" altLang="en-US" sz="1600" dirty="0">
+              <a:rPr lang="ko-KR" altLang="en-US" dirty="0">
                 <a:ln>
                   <a:solidFill>
                     <a:schemeClr val="bg1">
@@ -9634,7 +10638,7 @@
               <a:t>블록에 데이터를 담아 체인 형태로 연결</a:t>
             </a:r>
             <a:r>
-              <a:rPr lang="en-US" altLang="ko-KR" sz="1600" dirty="0">
+              <a:rPr lang="en-US" altLang="ko-KR" dirty="0">
                 <a:ln>
                   <a:solidFill>
                     <a:schemeClr val="bg1">
@@ -9666,7 +10670,7 @@
               </a:lnSpc>
             </a:pPr>
             <a:r>
-              <a:rPr lang="ko-KR" altLang="en-US" sz="1600" dirty="0">
+              <a:rPr lang="ko-KR" altLang="en-US" dirty="0">
                 <a:ln>
                   <a:solidFill>
                     <a:schemeClr val="bg1">
@@ -9690,7 +10694,7 @@
               </a:rPr>
               <a:t>수많은 컴퓨터에 동시에 </a:t>
             </a:r>
-            <a:endParaRPr lang="en-US" altLang="ko-KR" sz="1600" dirty="0">
+            <a:endParaRPr lang="en-US" altLang="ko-KR" dirty="0">
               <a:ln>
                 <a:solidFill>
                   <a:schemeClr val="bg1">
@@ -9720,7 +10724,7 @@
               </a:lnSpc>
             </a:pPr>
             <a:r>
-              <a:rPr lang="ko-KR" altLang="en-US" sz="1600" dirty="0">
+              <a:rPr lang="ko-KR" altLang="en-US" dirty="0">
                 <a:ln>
                   <a:solidFill>
                     <a:schemeClr val="bg1">
@@ -9745,7 +10749,7 @@
               <a:t>이를 복제해 저장하는 </a:t>
             </a:r>
             <a:r>
-              <a:rPr lang="ko-KR" altLang="en-US" sz="1600" dirty="0" err="1">
+              <a:rPr lang="ko-KR" altLang="en-US" dirty="0" err="1">
                 <a:ln>
                   <a:solidFill>
                     <a:schemeClr val="bg1">
@@ -9770,7 +10774,7 @@
               <a:t>분산형</a:t>
             </a:r>
             <a:r>
-              <a:rPr lang="ko-KR" altLang="en-US" sz="1600" dirty="0">
+              <a:rPr lang="ko-KR" altLang="en-US" dirty="0">
                 <a:ln>
                   <a:solidFill>
                     <a:schemeClr val="bg1">
@@ -9795,7 +10799,7 @@
               <a:t> 데이터 저장 기술이다</a:t>
             </a:r>
             <a:r>
-              <a:rPr lang="en-US" altLang="ko-KR" sz="1600" dirty="0">
+              <a:rPr lang="en-US" altLang="ko-KR" dirty="0">
                 <a:ln>
                   <a:solidFill>
                     <a:schemeClr val="bg1">
@@ -9827,7 +10831,7 @@
               </a:lnSpc>
             </a:pPr>
             <a:r>
-              <a:rPr lang="ko-KR" altLang="en-US" sz="1600" dirty="0">
+              <a:rPr lang="ko-KR" altLang="en-US" dirty="0">
                 <a:ln>
                   <a:solidFill>
                     <a:schemeClr val="bg1">
@@ -9852,7 +10856,7 @@
               <a:t>공공 거래 </a:t>
             </a:r>
             <a:r>
-              <a:rPr lang="ko-KR" altLang="en-US" sz="1600" dirty="0" err="1">
+              <a:rPr lang="ko-KR" altLang="en-US" dirty="0" err="1">
                 <a:ln>
                   <a:solidFill>
                     <a:schemeClr val="bg1">
@@ -9877,7 +10881,7 @@
               <a:t>장부라고도</a:t>
             </a:r>
             <a:r>
-              <a:rPr lang="ko-KR" altLang="en-US" sz="1600" dirty="0">
+              <a:rPr lang="ko-KR" altLang="en-US" dirty="0">
                 <a:ln>
                   <a:solidFill>
                     <a:schemeClr val="bg1">
@@ -9902,7 +10906,7 @@
               <a:t> 부른다</a:t>
             </a:r>
             <a:r>
-              <a:rPr lang="en-US" altLang="ko-KR" sz="1600" dirty="0">
+              <a:rPr lang="en-US" altLang="ko-KR" dirty="0">
                 <a:ln>
                   <a:solidFill>
                     <a:schemeClr val="bg1">
@@ -9934,7 +10938,7 @@
               </a:lnSpc>
             </a:pPr>
             <a:r>
-              <a:rPr lang="ko-KR" altLang="en-US" sz="1600" dirty="0">
+              <a:rPr lang="ko-KR" altLang="en-US" dirty="0">
                 <a:ln>
                   <a:solidFill>
                     <a:schemeClr val="bg1">
@@ -9959,7 +10963,7 @@
               <a:t>중앙 </a:t>
             </a:r>
             <a:r>
-              <a:rPr lang="ko-KR" altLang="en-US" sz="1600" dirty="0" err="1">
+              <a:rPr lang="ko-KR" altLang="en-US" dirty="0" err="1">
                 <a:ln>
                   <a:solidFill>
                     <a:schemeClr val="bg1">
@@ -9984,7 +10988,7 @@
               <a:t>집중형</a:t>
             </a:r>
             <a:r>
-              <a:rPr lang="ko-KR" altLang="en-US" sz="1600" dirty="0">
+              <a:rPr lang="ko-KR" altLang="en-US" dirty="0">
                 <a:ln>
                   <a:solidFill>
                     <a:schemeClr val="bg1">
@@ -10008,7 +11012,7 @@
               </a:rPr>
               <a:t> 서버에 거래 기록을 보관하지 않고 </a:t>
             </a:r>
-            <a:endParaRPr lang="en-US" altLang="ko-KR" sz="1600" dirty="0">
+            <a:endParaRPr lang="en-US" altLang="ko-KR" dirty="0">
               <a:ln>
                 <a:solidFill>
                   <a:schemeClr val="bg1">
@@ -10038,7 +11042,7 @@
               </a:lnSpc>
             </a:pPr>
             <a:r>
-              <a:rPr lang="ko-KR" altLang="en-US" sz="1600" dirty="0">
+              <a:rPr lang="ko-KR" altLang="en-US" dirty="0">
                 <a:ln>
                   <a:solidFill>
                     <a:schemeClr val="bg1">
@@ -10063,7 +11067,7 @@
               <a:t>거래에 참여하는 모든 사용자에게 거래 내역을 보내 주며</a:t>
             </a:r>
             <a:r>
-              <a:rPr lang="en-US" altLang="ko-KR" sz="1600" dirty="0">
+              <a:rPr lang="en-US" altLang="ko-KR" dirty="0">
                 <a:ln>
                   <a:solidFill>
                     <a:schemeClr val="bg1">
@@ -10095,7 +11099,7 @@
               </a:lnSpc>
             </a:pPr>
             <a:r>
-              <a:rPr lang="ko-KR" altLang="en-US" sz="1600" dirty="0">
+              <a:rPr lang="ko-KR" altLang="en-US" dirty="0">
                 <a:ln>
                   <a:solidFill>
                     <a:schemeClr val="bg1">
@@ -10119,7 +11123,7 @@
               </a:rPr>
               <a:t>거래 때마다 모든 거래 참여자들이 정보를 공유하고 </a:t>
             </a:r>
-            <a:endParaRPr lang="en-US" altLang="ko-KR" sz="1600" dirty="0">
+            <a:endParaRPr lang="en-US" altLang="ko-KR" dirty="0">
               <a:ln>
                 <a:solidFill>
                   <a:schemeClr val="bg1">
@@ -10149,7 +11153,7 @@
               </a:lnSpc>
             </a:pPr>
             <a:r>
-              <a:rPr lang="ko-KR" altLang="en-US" sz="1600" dirty="0">
+              <a:rPr lang="ko-KR" altLang="en-US" dirty="0">
                 <a:ln>
                   <a:solidFill>
                     <a:schemeClr val="bg1">
@@ -10174,7 +11178,7 @@
               <a:t>이를 대조해 데이터 위조나 변조를 할 수 없도록 돼 있다</a:t>
             </a:r>
             <a:r>
-              <a:rPr lang="en-US" altLang="ko-KR" sz="1600" dirty="0">
+              <a:rPr lang="en-US" altLang="ko-KR" dirty="0">
                 <a:ln>
                   <a:solidFill>
                     <a:schemeClr val="bg1">
@@ -11019,6 +12023,13 @@
       </p:transition>
     </mc:Fallback>
   </mc:AlternateContent>
+  <p:timing>
+    <p:tnLst>
+      <p:par>
+        <p:cTn id="1" dur="indefinite" restart="never" nodeType="tmRoot"/>
+      </p:par>
+    </p:tnLst>
+  </p:timing>
 </p:sld>
 </file>
 
@@ -11077,7 +12088,7 @@
         </p:blipFill>
         <p:spPr bwMode="auto">
           <a:xfrm>
-            <a:off x="8443589" y="4342633"/>
+            <a:off x="8443589" y="4663394"/>
             <a:ext cx="3383232" cy="1796360"/>
           </a:xfrm>
           <a:prstGeom prst="rect">
@@ -11273,7 +12284,7 @@
         <p:spPr>
           <a:xfrm>
             <a:off x="921920" y="2113992"/>
-            <a:ext cx="9593680" cy="2630015"/>
+            <a:ext cx="9593680" cy="3000821"/>
           </a:xfrm>
           <a:prstGeom prst="rect">
             <a:avLst/>
@@ -11293,7 +12304,7 @@
               <a:buChar char="•"/>
             </a:pPr>
             <a:r>
-              <a:rPr lang="ko-KR" altLang="en-US" sz="1600" dirty="0">
+              <a:rPr lang="ko-KR" altLang="en-US" dirty="0">
                 <a:ln>
                   <a:solidFill>
                     <a:schemeClr val="bg1">
@@ -11317,7 +12328,7 @@
               </a:rPr>
               <a:t>사용자들은 웹 페이지 로딩에 많은 모바일 데이터를 사용하게 됨 </a:t>
             </a:r>
-            <a:endParaRPr lang="en-US" altLang="ko-KR" sz="1600" dirty="0">
+            <a:endParaRPr lang="en-US" altLang="ko-KR" dirty="0">
               <a:ln>
                 <a:solidFill>
                   <a:schemeClr val="bg1">
@@ -11349,7 +12360,7 @@
               <a:buChar char="•"/>
             </a:pPr>
             <a:r>
-              <a:rPr lang="ko-KR" altLang="en-US" sz="1600" dirty="0">
+              <a:rPr lang="ko-KR" altLang="en-US" dirty="0">
                 <a:ln>
                   <a:solidFill>
                     <a:schemeClr val="bg1">
@@ -11371,9 +12382,59 @@
                 <a:latin typeface="210 옴니고딕 040" panose="02020603020101020101" pitchFamily="18" charset="-127"/>
                 <a:ea typeface="210 옴니고딕 040" panose="02020603020101020101" pitchFamily="18" charset="-127"/>
               </a:rPr>
-              <a:t>광고주와 소비자들은 광고를 주고받는데 있어 적절히 규격화된 합의 절차가 없어 고통 받게 됨</a:t>
-            </a:r>
-            <a:endParaRPr lang="en-US" altLang="ko-KR" sz="1600" dirty="0">
+              <a:t>광고주와 소비자들은 광고를 주고받는데 있어 적절히 규격화된 </a:t>
+            </a:r>
+            <a:r>
+              <a:rPr lang="ko-KR" altLang="en-US" dirty="0" smtClean="0">
+                <a:ln>
+                  <a:solidFill>
+                    <a:schemeClr val="bg1">
+                      <a:alpha val="30000"/>
+                    </a:schemeClr>
+                  </a:solidFill>
+                </a:ln>
+                <a:gradFill>
+                  <a:gsLst>
+                    <a:gs pos="14000">
+                      <a:srgbClr val="008EC0"/>
+                    </a:gs>
+                    <a:gs pos="85000">
+                      <a:srgbClr val="7030A0"/>
+                    </a:gs>
+                  </a:gsLst>
+                  <a:lin ang="13500000" scaled="1"/>
+                </a:gradFill>
+                <a:latin typeface="210 옴니고딕 040" panose="02020603020101020101" pitchFamily="18" charset="-127"/>
+                <a:ea typeface="210 옴니고딕 040" panose="02020603020101020101" pitchFamily="18" charset="-127"/>
+              </a:rPr>
+              <a:t>합의 절차가 </a:t>
+            </a:r>
+            <a:r>
+              <a:rPr lang="ko-KR" altLang="en-US" dirty="0">
+                <a:ln>
+                  <a:solidFill>
+                    <a:schemeClr val="bg1">
+                      <a:alpha val="30000"/>
+                    </a:schemeClr>
+                  </a:solidFill>
+                </a:ln>
+                <a:gradFill>
+                  <a:gsLst>
+                    <a:gs pos="14000">
+                      <a:srgbClr val="008EC0"/>
+                    </a:gs>
+                    <a:gs pos="85000">
+                      <a:srgbClr val="7030A0"/>
+                    </a:gs>
+                  </a:gsLst>
+                  <a:lin ang="13500000" scaled="1"/>
+                </a:gradFill>
+                <a:latin typeface="210 옴니고딕 040" panose="02020603020101020101" pitchFamily="18" charset="-127"/>
+                <a:ea typeface="210 옴니고딕 040" panose="02020603020101020101" pitchFamily="18" charset="-127"/>
+              </a:rPr>
+              <a:t>없어 고통 받게 됨</a:t>
+            </a:r>
+            <a:endParaRPr lang="en-US" altLang="ko-KR" dirty="0">
               <a:ln>
                 <a:solidFill>
                   <a:schemeClr val="bg1">
@@ -11405,7 +12466,7 @@
               <a:buChar char="•"/>
             </a:pPr>
             <a:r>
-              <a:rPr lang="ko-KR" altLang="en-US" sz="1600" dirty="0">
+              <a:rPr lang="ko-KR" altLang="en-US" dirty="0">
                 <a:ln>
                   <a:solidFill>
                     <a:schemeClr val="bg1">
@@ -11430,7 +12491,7 @@
               <a:t>광고 중개업자들은 쿠키나 사용자가 접속하는 </a:t>
             </a:r>
             <a:r>
-              <a:rPr lang="en-US" altLang="ko-KR" sz="1600" dirty="0">
+              <a:rPr lang="en-US" altLang="ko-KR" dirty="0">
                 <a:ln>
                   <a:solidFill>
                     <a:schemeClr val="bg1">
@@ -11455,7 +12516,7 @@
               <a:t>IP, </a:t>
             </a:r>
             <a:r>
-              <a:rPr lang="ko-KR" altLang="en-US" sz="1600" dirty="0">
+              <a:rPr lang="ko-KR" altLang="en-US" dirty="0">
                 <a:ln>
                   <a:solidFill>
                     <a:schemeClr val="bg1">
@@ -11479,7 +12540,7 @@
               </a:rPr>
               <a:t>계정정보 확보를 위해</a:t>
             </a:r>
-            <a:endParaRPr lang="en-US" altLang="ko-KR" sz="1600" dirty="0">
+            <a:endParaRPr lang="en-US" altLang="ko-KR" dirty="0">
               <a:ln>
                 <a:solidFill>
                   <a:schemeClr val="bg1">
@@ -11509,7 +12570,7 @@
               </a:lnSpc>
             </a:pPr>
             <a:r>
-              <a:rPr lang="en-US" altLang="ko-KR" sz="1600" dirty="0">
+              <a:rPr lang="en-US" altLang="ko-KR" dirty="0">
                 <a:ln>
                   <a:solidFill>
                     <a:schemeClr val="bg1">
@@ -11534,7 +12595,7 @@
               <a:t>    </a:t>
             </a:r>
             <a:r>
-              <a:rPr lang="ko-KR" altLang="en-US" sz="1600" dirty="0" err="1">
+              <a:rPr lang="ko-KR" altLang="en-US" dirty="0" err="1">
                 <a:ln>
                   <a:solidFill>
                     <a:schemeClr val="bg1">
@@ -11559,7 +12620,7 @@
               <a:t>낚시성</a:t>
             </a:r>
             <a:r>
-              <a:rPr lang="ko-KR" altLang="en-US" sz="1600" dirty="0">
+              <a:rPr lang="ko-KR" altLang="en-US" dirty="0">
                 <a:ln>
                   <a:solidFill>
                     <a:schemeClr val="bg1">
@@ -11584,7 +12645,7 @@
               <a:t> 링크</a:t>
             </a:r>
             <a:r>
-              <a:rPr lang="en-US" altLang="ko-KR" sz="1600" dirty="0">
+              <a:rPr lang="en-US" altLang="ko-KR" dirty="0">
                 <a:ln>
                   <a:solidFill>
                     <a:schemeClr val="bg1">
@@ -11609,7 +12670,7 @@
               <a:t>, </a:t>
             </a:r>
             <a:r>
-              <a:rPr lang="ko-KR" altLang="en-US" sz="1600" dirty="0">
+              <a:rPr lang="ko-KR" altLang="en-US" dirty="0">
                 <a:ln>
                   <a:solidFill>
                     <a:schemeClr val="bg1">
@@ -11634,7 +12695,7 @@
               <a:t>불필요한 동의절차</a:t>
             </a:r>
             <a:r>
-              <a:rPr lang="en-US" altLang="ko-KR" sz="1600" dirty="0">
+              <a:rPr lang="en-US" altLang="ko-KR" dirty="0">
                 <a:ln>
                   <a:solidFill>
                     <a:schemeClr val="bg1">
@@ -11659,7 +12720,7 @@
               <a:t>(</a:t>
             </a:r>
             <a:r>
-              <a:rPr lang="ko-KR" altLang="en-US" sz="1600" dirty="0">
+              <a:rPr lang="ko-KR" altLang="en-US" dirty="0">
                 <a:ln>
                   <a:solidFill>
                     <a:schemeClr val="bg1">
@@ -11684,7 +12745,7 @@
               <a:t>쿠키 등</a:t>
             </a:r>
             <a:r>
-              <a:rPr lang="en-US" altLang="ko-KR" sz="1600" dirty="0">
+              <a:rPr lang="en-US" altLang="ko-KR" dirty="0">
                 <a:ln>
                   <a:solidFill>
                     <a:schemeClr val="bg1">
@@ -11709,7 +12770,7 @@
               <a:t>)</a:t>
             </a:r>
             <a:r>
-              <a:rPr lang="ko-KR" altLang="en-US" sz="1600" dirty="0">
+              <a:rPr lang="ko-KR" altLang="en-US" dirty="0">
                 <a:ln>
                   <a:solidFill>
                     <a:schemeClr val="bg1">
@@ -11731,10 +12792,10 @@
                 <a:latin typeface="210 옴니고딕 040" panose="02020603020101020101" pitchFamily="18" charset="-127"/>
                 <a:ea typeface="210 옴니고딕 040" panose="02020603020101020101" pitchFamily="18" charset="-127"/>
               </a:rPr>
-              <a:t>를 거치도록 하고 있음</a:t>
-            </a:r>
-            <a:r>
-              <a:rPr lang="en-US" altLang="ko-KR" sz="1600" dirty="0">
+              <a:t>를 거치도록 </a:t>
+            </a:r>
+            <a:r>
+              <a:rPr lang="ko-KR" altLang="en-US" dirty="0" smtClean="0">
                 <a:ln>
                   <a:solidFill>
                     <a:schemeClr val="bg1">
@@ -11756,17 +12817,10 @@
                 <a:latin typeface="210 옴니고딕 040" panose="02020603020101020101" pitchFamily="18" charset="-127"/>
                 <a:ea typeface="210 옴니고딕 040" panose="02020603020101020101" pitchFamily="18" charset="-127"/>
               </a:rPr>
-              <a:t>.</a:t>
-            </a:r>
-          </a:p>
-          <a:p>
-            <a:pPr>
-              <a:lnSpc>
-                <a:spcPct val="150000"/>
-              </a:lnSpc>
-            </a:pPr>
-            <a:r>
-              <a:rPr lang="en-US" altLang="ko-KR" sz="1600" dirty="0">
+              <a:t>하고 있음</a:t>
+            </a:r>
+            <a:r>
+              <a:rPr lang="en-US" altLang="ko-KR" dirty="0">
                 <a:ln>
                   <a:solidFill>
                     <a:schemeClr val="bg1">
@@ -11788,10 +12842,17 @@
                 <a:latin typeface="210 옴니고딕 040" panose="02020603020101020101" pitchFamily="18" charset="-127"/>
                 <a:ea typeface="210 옴니고딕 040" panose="02020603020101020101" pitchFamily="18" charset="-127"/>
               </a:rPr>
-              <a:t>    </a:t>
-            </a:r>
-            <a:r>
-              <a:rPr lang="ko-KR" altLang="en-US" sz="1600" dirty="0">
+              <a:t>.</a:t>
+            </a:r>
+          </a:p>
+          <a:p>
+            <a:pPr>
+              <a:lnSpc>
+                <a:spcPct val="150000"/>
+              </a:lnSpc>
+            </a:pPr>
+            <a:r>
+              <a:rPr lang="en-US" altLang="ko-KR" dirty="0">
                 <a:ln>
                   <a:solidFill>
                     <a:schemeClr val="bg1">
@@ -11813,9 +12874,34 @@
                 <a:latin typeface="210 옴니고딕 040" panose="02020603020101020101" pitchFamily="18" charset="-127"/>
                 <a:ea typeface="210 옴니고딕 040" panose="02020603020101020101" pitchFamily="18" charset="-127"/>
               </a:rPr>
+              <a:t>    </a:t>
+            </a:r>
+            <a:r>
+              <a:rPr lang="ko-KR" altLang="en-US" dirty="0">
+                <a:ln>
+                  <a:solidFill>
+                    <a:schemeClr val="bg1">
+                      <a:alpha val="30000"/>
+                    </a:schemeClr>
+                  </a:solidFill>
+                </a:ln>
+                <a:gradFill>
+                  <a:gsLst>
+                    <a:gs pos="14000">
+                      <a:srgbClr val="008EC0"/>
+                    </a:gs>
+                    <a:gs pos="85000">
+                      <a:srgbClr val="7030A0"/>
+                    </a:gs>
+                  </a:gsLst>
+                  <a:lin ang="13500000" scaled="1"/>
+                </a:gradFill>
+                <a:latin typeface="210 옴니고딕 040" panose="02020603020101020101" pitchFamily="18" charset="-127"/>
+                <a:ea typeface="210 옴니고딕 040" panose="02020603020101020101" pitchFamily="18" charset="-127"/>
+              </a:rPr>
               <a:t>심지어 악성코드를 심어 개인정보가 무분별하게 노출되는 위험에 빠뜨리기도 함</a:t>
             </a:r>
-            <a:endParaRPr lang="en-US" altLang="ko-KR" sz="1600" dirty="0">
+            <a:endParaRPr lang="en-US" altLang="ko-KR" dirty="0">
               <a:ln>
                 <a:solidFill>
                   <a:schemeClr val="bg1">
@@ -11847,7 +12933,7 @@
               <a:buChar char="•"/>
             </a:pPr>
             <a:r>
-              <a:rPr lang="ko-KR" altLang="en-US" sz="1600" dirty="0">
+              <a:rPr lang="ko-KR" altLang="en-US" dirty="0" smtClean="0">
                 <a:ln>
                   <a:solidFill>
                     <a:schemeClr val="bg1">
@@ -11869,10 +12955,10 @@
                 <a:latin typeface="210 옴니고딕 040" panose="02020603020101020101" pitchFamily="18" charset="-127"/>
                 <a:ea typeface="210 옴니고딕 040" panose="02020603020101020101" pitchFamily="18" charset="-127"/>
               </a:rPr>
-              <a:t>끊임없이 광고로 유도하고 해당 광고에 관심이 없음에도 불구하고 강제로 그 광고를 페이지에 게시함으로써 페이지 로딩 속도를 느리게 하고 모바일</a:t>
-            </a:r>
-            <a:r>
-              <a:rPr lang="en-US" altLang="ko-KR" sz="1600" dirty="0">
+              <a:t>끊임없이 </a:t>
+            </a:r>
+            <a:r>
+              <a:rPr lang="ko-KR" altLang="en-US" dirty="0">
                 <a:ln>
                   <a:solidFill>
                     <a:schemeClr val="bg1">
@@ -11894,10 +12980,10 @@
                 <a:latin typeface="210 옴니고딕 040" panose="02020603020101020101" pitchFamily="18" charset="-127"/>
                 <a:ea typeface="210 옴니고딕 040" panose="02020603020101020101" pitchFamily="18" charset="-127"/>
               </a:rPr>
-              <a:t>/</a:t>
-            </a:r>
-            <a:r>
-              <a:rPr lang="ko-KR" altLang="en-US" sz="1600" dirty="0">
+              <a:t>광고로 유도하고 해당 광고에 관심이 없음에도 불구하고 강제로 그 광고를 페이지에 게시함으로써 페이지 로딩 속도를 느리게 하고 모바일</a:t>
+            </a:r>
+            <a:r>
+              <a:rPr lang="en-US" altLang="ko-KR" dirty="0">
                 <a:ln>
                   <a:solidFill>
                     <a:schemeClr val="bg1">
@@ -11919,9 +13005,34 @@
                 <a:latin typeface="210 옴니고딕 040" panose="02020603020101020101" pitchFamily="18" charset="-127"/>
                 <a:ea typeface="210 옴니고딕 040" panose="02020603020101020101" pitchFamily="18" charset="-127"/>
               </a:rPr>
+              <a:t>/</a:t>
+            </a:r>
+            <a:r>
+              <a:rPr lang="ko-KR" altLang="en-US" dirty="0">
+                <a:ln>
+                  <a:solidFill>
+                    <a:schemeClr val="bg1">
+                      <a:alpha val="30000"/>
+                    </a:schemeClr>
+                  </a:solidFill>
+                </a:ln>
+                <a:gradFill>
+                  <a:gsLst>
+                    <a:gs pos="14000">
+                      <a:srgbClr val="008EC0"/>
+                    </a:gs>
+                    <a:gs pos="85000">
+                      <a:srgbClr val="7030A0"/>
+                    </a:gs>
+                  </a:gsLst>
+                  <a:lin ang="13500000" scaled="1"/>
+                </a:gradFill>
+                <a:latin typeface="210 옴니고딕 040" panose="02020603020101020101" pitchFamily="18" charset="-127"/>
+                <a:ea typeface="210 옴니고딕 040" panose="02020603020101020101" pitchFamily="18" charset="-127"/>
+              </a:rPr>
               <a:t>웹 데이터를 잡아먹음</a:t>
             </a:r>
-            <a:endParaRPr lang="en-US" altLang="ko-KR" sz="1600" dirty="0">
+            <a:endParaRPr lang="en-US" altLang="ko-KR" dirty="0">
               <a:ln>
                 <a:solidFill>
                   <a:schemeClr val="bg1">
@@ -13418,6 +14529,13 @@
       </p:transition>
     </mc:Fallback>
   </mc:AlternateContent>
+  <p:timing>
+    <p:tnLst>
+      <p:par>
+        <p:cTn id="1" dur="indefinite" restart="never" nodeType="tmRoot"/>
+      </p:par>
+    </p:tnLst>
+  </p:timing>
 </p:sld>
 </file>
 
